--- a/Лекция 3 07_10_2020.pptx
+++ b/Лекция 3 07_10_2020.pptx
@@ -4413,6 +4413,7 @@
               <a:rPr lang="ru-RU" dirty="0" smtClean="0"/>
               <a:t>Уменьшение размерности – упрощение структуры элементов, поиск и удаление несущественных параметров.</a:t>
             </a:r>
+            <a:endParaRPr lang="ru-RU" dirty="0" smtClean="0"/>
           </a:p>
           <a:p>
             <a:pPr marL="0" indent="0">
@@ -13299,11 +13300,7 @@
             </a:pPr>
             <a:r>
               <a:rPr lang="ru-RU" dirty="0" smtClean="0"/>
-              <a:t>Основные способы уменьшения размерности</a:t>
-            </a:r>
-            <a:r>
-              <a:rPr lang="ru-RU" dirty="0" smtClean="0"/>
-              <a:t>:</a:t>
+              <a:t>Основные способы уменьшения размерности:</a:t>
             </a:r>
           </a:p>
           <a:p>
@@ -13314,7 +13311,6 @@
               <a:rPr lang="ru-RU" dirty="0" smtClean="0"/>
               <a:t>1. Выбор признаков</a:t>
             </a:r>
-            <a:endParaRPr lang="ru-RU" dirty="0" smtClean="0"/>
           </a:p>
           <a:p>
             <a:r>
@@ -13349,7 +13345,6 @@
               <a:rPr lang="ru-RU" dirty="0" smtClean="0"/>
               <a:t>2. Выделение признаков</a:t>
             </a:r>
-            <a:endParaRPr lang="ru-RU" dirty="0" smtClean="0"/>
           </a:p>
           <a:p>
             <a:pPr marL="514350" indent="-514350">
@@ -15402,7 +15397,6 @@
               <a:rPr lang="ru-RU" dirty="0"/>
               <a:t>Повторение</a:t>
             </a:r>
-            <a:endParaRPr lang="ru-RU" dirty="0"/>
           </a:p>
         </p:txBody>
       </p:sp>
@@ -15715,15 +15709,7 @@
           <a:p>
             <a:r>
               <a:rPr lang="ru-RU" dirty="0" smtClean="0"/>
-              <a:t>Текст, изображение, звук, виде – в набор </a:t>
-            </a:r>
-            <a:r>
-              <a:rPr lang="ru-RU" dirty="0" smtClean="0"/>
-              <a:t>числовых </a:t>
-            </a:r>
-            <a:r>
-              <a:rPr lang="ru-RU" dirty="0" smtClean="0"/>
-              <a:t>параметров.</a:t>
+              <a:t>Текст, изображение, звук, виде – в набор числовых параметров.</a:t>
             </a:r>
           </a:p>
           <a:p>
@@ -18218,19 +18204,11 @@
             </a:pPr>
             <a:r>
               <a:rPr lang="ru-RU" dirty="0"/>
-              <a:t>неравномерное распределение значений параметра, из-за чего небольшая часть значений повторяется часто, а большая </a:t>
-            </a:r>
-            <a:r>
-              <a:rPr lang="ru-RU" dirty="0"/>
-              <a:t>–</a:t>
+              <a:t>неравномерное распределение значений параметра, из-за чего небольшая часть значений повторяется часто, а большая –</a:t>
             </a:r>
             <a:r>
               <a:rPr lang="ru-RU" dirty="0" smtClean="0"/>
-              <a:t> </a:t>
-            </a:r>
-            <a:r>
-              <a:rPr lang="ru-RU" dirty="0" smtClean="0"/>
-              <a:t>редко</a:t>
+              <a:t> редко</a:t>
             </a:r>
             <a:r>
               <a:rPr lang="ru-RU" dirty="0"/>
@@ -23048,11 +23026,6 @@
                         </a:rPr>
                         <a:t>Признак №5</a:t>
                       </a:r>
-                      <a:endParaRPr lang="ru-RU" dirty="0" smtClean="0">
-                        <a:solidFill>
-                          <a:srgbClr val="FF0000"/>
-                        </a:solidFill>
-                      </a:endParaRPr>
                     </a:p>
                   </a:txBody>
                   <a:tcPr anchor="ctr"/>
@@ -23771,13 +23744,7 @@
               <a:rPr lang="en-US">
                 <a:hlinkClick r:id="rId6"/>
               </a:rPr>
-              <a:t>https</a:t>
-            </a:r>
-            <a:r>
-              <a:rPr lang="en-US">
-                <a:hlinkClick r:id="rId6"/>
-              </a:rPr>
-              <a:t>://</a:t>
+              <a:t>https://</a:t>
             </a:r>
             <a:r>
               <a:rPr lang="en-US" smtClean="0">

--- a/Лекция 3 07_10_2020.pptx
+++ b/Лекция 3 07_10_2020.pptx
@@ -264,7 +264,7 @@
           <a:p>
             <a:fld id="{44DBC884-B382-4302-8488-D4E467EB670D}" type="datetimeFigureOut">
               <a:rPr lang="ru-RU" smtClean="0"/>
-              <a:t>01.10.2020</a:t>
+              <a:t>07.02.2021</a:t>
             </a:fld>
             <a:endParaRPr lang="ru-RU" dirty="0"/>
           </a:p>
@@ -663,7 +663,7 @@
           <a:p>
             <a:fld id="{9F4DF3D0-C105-404D-A43B-7CBA1B97B744}" type="datetimeFigureOut">
               <a:rPr lang="ru-RU" smtClean="0"/>
-              <a:t>01.10.2020</a:t>
+              <a:t>07.02.2021</a:t>
             </a:fld>
             <a:endParaRPr lang="ru-RU" dirty="0"/>
           </a:p>
@@ -833,7 +833,7 @@
           <a:p>
             <a:fld id="{9F4DF3D0-C105-404D-A43B-7CBA1B97B744}" type="datetimeFigureOut">
               <a:rPr lang="ru-RU" smtClean="0"/>
-              <a:t>01.10.2020</a:t>
+              <a:t>07.02.2021</a:t>
             </a:fld>
             <a:endParaRPr lang="ru-RU" dirty="0"/>
           </a:p>
@@ -1013,7 +1013,7 @@
           <a:p>
             <a:fld id="{9F4DF3D0-C105-404D-A43B-7CBA1B97B744}" type="datetimeFigureOut">
               <a:rPr lang="ru-RU" smtClean="0"/>
-              <a:t>01.10.2020</a:t>
+              <a:t>07.02.2021</a:t>
             </a:fld>
             <a:endParaRPr lang="ru-RU" dirty="0"/>
           </a:p>
@@ -1183,7 +1183,7 @@
           <a:p>
             <a:fld id="{9F4DF3D0-C105-404D-A43B-7CBA1B97B744}" type="datetimeFigureOut">
               <a:rPr lang="ru-RU" smtClean="0"/>
-              <a:t>01.10.2020</a:t>
+              <a:t>07.02.2021</a:t>
             </a:fld>
             <a:endParaRPr lang="ru-RU" dirty="0"/>
           </a:p>
@@ -1429,7 +1429,7 @@
           <a:p>
             <a:fld id="{9F4DF3D0-C105-404D-A43B-7CBA1B97B744}" type="datetimeFigureOut">
               <a:rPr lang="ru-RU" smtClean="0"/>
-              <a:t>01.10.2020</a:t>
+              <a:t>07.02.2021</a:t>
             </a:fld>
             <a:endParaRPr lang="ru-RU" dirty="0"/>
           </a:p>
@@ -1661,7 +1661,7 @@
           <a:p>
             <a:fld id="{9F4DF3D0-C105-404D-A43B-7CBA1B97B744}" type="datetimeFigureOut">
               <a:rPr lang="ru-RU" smtClean="0"/>
-              <a:t>01.10.2020</a:t>
+              <a:t>07.02.2021</a:t>
             </a:fld>
             <a:endParaRPr lang="ru-RU" dirty="0"/>
           </a:p>
@@ -2028,7 +2028,7 @@
           <a:p>
             <a:fld id="{9F4DF3D0-C105-404D-A43B-7CBA1B97B744}" type="datetimeFigureOut">
               <a:rPr lang="ru-RU" smtClean="0"/>
-              <a:t>01.10.2020</a:t>
+              <a:t>07.02.2021</a:t>
             </a:fld>
             <a:endParaRPr lang="ru-RU" dirty="0"/>
           </a:p>
@@ -2146,7 +2146,7 @@
           <a:p>
             <a:fld id="{9F4DF3D0-C105-404D-A43B-7CBA1B97B744}" type="datetimeFigureOut">
               <a:rPr lang="ru-RU" smtClean="0"/>
-              <a:t>01.10.2020</a:t>
+              <a:t>07.02.2021</a:t>
             </a:fld>
             <a:endParaRPr lang="ru-RU" dirty="0"/>
           </a:p>
@@ -2241,7 +2241,7 @@
           <a:p>
             <a:fld id="{9F4DF3D0-C105-404D-A43B-7CBA1B97B744}" type="datetimeFigureOut">
               <a:rPr lang="ru-RU" smtClean="0"/>
-              <a:t>01.10.2020</a:t>
+              <a:t>07.02.2021</a:t>
             </a:fld>
             <a:endParaRPr lang="ru-RU" dirty="0"/>
           </a:p>
@@ -2518,7 +2518,7 @@
           <a:p>
             <a:fld id="{9F4DF3D0-C105-404D-A43B-7CBA1B97B744}" type="datetimeFigureOut">
               <a:rPr lang="ru-RU" smtClean="0"/>
-              <a:t>01.10.2020</a:t>
+              <a:t>07.02.2021</a:t>
             </a:fld>
             <a:endParaRPr lang="ru-RU" dirty="0"/>
           </a:p>
@@ -2771,7 +2771,7 @@
           <a:p>
             <a:fld id="{9F4DF3D0-C105-404D-A43B-7CBA1B97B744}" type="datetimeFigureOut">
               <a:rPr lang="ru-RU" smtClean="0"/>
-              <a:t>01.10.2020</a:t>
+              <a:t>07.02.2021</a:t>
             </a:fld>
             <a:endParaRPr lang="ru-RU" dirty="0"/>
           </a:p>
@@ -2984,7 +2984,7 @@
           <a:p>
             <a:fld id="{9F4DF3D0-C105-404D-A43B-7CBA1B97B744}" type="datetimeFigureOut">
               <a:rPr lang="ru-RU" smtClean="0"/>
-              <a:t>01.10.2020</a:t>
+              <a:t>07.02.2021</a:t>
             </a:fld>
             <a:endParaRPr lang="ru-RU" dirty="0"/>
           </a:p>
@@ -4413,7 +4413,6 @@
               <a:rPr lang="ru-RU" dirty="0" smtClean="0"/>
               <a:t>Уменьшение размерности – упрощение структуры элементов, поиск и удаление несущественных параметров.</a:t>
             </a:r>
-            <a:endParaRPr lang="ru-RU" dirty="0" smtClean="0"/>
           </a:p>
           <a:p>
             <a:pPr marL="0" indent="0">
@@ -15160,7 +15159,19 @@
             </a:pPr>
             <a:r>
               <a:rPr lang="ru-RU" dirty="0" smtClean="0"/>
-              <a:t>Текст, изображение, звук , видео и т.д.</a:t>
+              <a:t>Текст, изображение</a:t>
+            </a:r>
+            <a:r>
+              <a:rPr lang="ru-RU" smtClean="0"/>
+              <a:t>, </a:t>
+            </a:r>
+            <a:r>
+              <a:rPr lang="ru-RU" smtClean="0"/>
+              <a:t>звук, </a:t>
+            </a:r>
+            <a:r>
+              <a:rPr lang="ru-RU" dirty="0" smtClean="0"/>
+              <a:t>видео и т.д.</a:t>
             </a:r>
           </a:p>
           <a:p>
